--- a/Final Presentation/Final Presentation.pptx
+++ b/Final Presentation/Final Presentation.pptx
@@ -218,7 +218,7 @@
           <a:p>
             <a:fld id="{A33CD265-2D13-6741-8623-9D665191C859}" type="datetimeFigureOut">
               <a:rPr lang="en-US" smtClean="0"/>
-              <a:t>2/15/17</a:t>
+              <a:t>2/16/17</a:t>
             </a:fld>
             <a:endParaRPr lang="en-US"/>
           </a:p>
@@ -617,7 +617,7 @@
           <a:p>
             <a:fld id="{BCB2AC1A-FC22-084D-BD7E-D3EAA8C3D779}" type="datetimeFigureOut">
               <a:rPr kumimoji="1" lang="zh-CN" altLang="en-US" smtClean="0"/>
-              <a:t>2017/2/15</a:t>
+              <a:t>2017/2/16</a:t>
             </a:fld>
             <a:endParaRPr kumimoji="1" lang="zh-CN" altLang="en-US"/>
           </a:p>
@@ -795,7 +795,7 @@
           <a:p>
             <a:fld id="{BCB2AC1A-FC22-084D-BD7E-D3EAA8C3D779}" type="datetimeFigureOut">
               <a:rPr kumimoji="1" lang="zh-CN" altLang="en-US" smtClean="0"/>
-              <a:t>2017/2/15</a:t>
+              <a:t>2017/2/16</a:t>
             </a:fld>
             <a:endParaRPr kumimoji="1" lang="zh-CN" altLang="en-US"/>
           </a:p>
@@ -983,7 +983,7 @@
           <a:p>
             <a:fld id="{BCB2AC1A-FC22-084D-BD7E-D3EAA8C3D779}" type="datetimeFigureOut">
               <a:rPr kumimoji="1" lang="zh-CN" altLang="en-US" smtClean="0"/>
-              <a:t>2017/2/15</a:t>
+              <a:t>2017/2/16</a:t>
             </a:fld>
             <a:endParaRPr kumimoji="1" lang="zh-CN" altLang="en-US"/>
           </a:p>
@@ -2801,7 +2801,7 @@
           <a:p>
             <a:fld id="{BCB2AC1A-FC22-084D-BD7E-D3EAA8C3D779}" type="datetimeFigureOut">
               <a:rPr kumimoji="1" lang="zh-CN" altLang="en-US" smtClean="0"/>
-              <a:t>2017/2/15</a:t>
+              <a:t>2017/2/16</a:t>
             </a:fld>
             <a:endParaRPr kumimoji="1" lang="zh-CN" altLang="en-US"/>
           </a:p>
@@ -3055,7 +3055,7 @@
           <a:p>
             <a:fld id="{BCB2AC1A-FC22-084D-BD7E-D3EAA8C3D779}" type="datetimeFigureOut">
               <a:rPr kumimoji="1" lang="zh-CN" altLang="en-US" smtClean="0"/>
-              <a:t>2017/2/15</a:t>
+              <a:t>2017/2/16</a:t>
             </a:fld>
             <a:endParaRPr kumimoji="1" lang="zh-CN" altLang="en-US"/>
           </a:p>
@@ -3295,7 +3295,7 @@
           <a:p>
             <a:fld id="{BCB2AC1A-FC22-084D-BD7E-D3EAA8C3D779}" type="datetimeFigureOut">
               <a:rPr kumimoji="1" lang="zh-CN" altLang="en-US" smtClean="0"/>
-              <a:t>2017/2/15</a:t>
+              <a:t>2017/2/16</a:t>
             </a:fld>
             <a:endParaRPr kumimoji="1" lang="zh-CN" altLang="en-US"/>
           </a:p>
@@ -3670,7 +3670,7 @@
           <a:p>
             <a:fld id="{BCB2AC1A-FC22-084D-BD7E-D3EAA8C3D779}" type="datetimeFigureOut">
               <a:rPr kumimoji="1" lang="zh-CN" altLang="en-US" smtClean="0"/>
-              <a:t>2017/2/15</a:t>
+              <a:t>2017/2/16</a:t>
             </a:fld>
             <a:endParaRPr kumimoji="1" lang="zh-CN" altLang="en-US"/>
           </a:p>
@@ -3796,7 +3796,7 @@
           <a:p>
             <a:fld id="{BCB2AC1A-FC22-084D-BD7E-D3EAA8C3D779}" type="datetimeFigureOut">
               <a:rPr kumimoji="1" lang="zh-CN" altLang="en-US" smtClean="0"/>
-              <a:t>2017/2/15</a:t>
+              <a:t>2017/2/16</a:t>
             </a:fld>
             <a:endParaRPr kumimoji="1" lang="zh-CN" altLang="en-US"/>
           </a:p>
@@ -3899,7 +3899,7 @@
           <a:p>
             <a:fld id="{BCB2AC1A-FC22-084D-BD7E-D3EAA8C3D779}" type="datetimeFigureOut">
               <a:rPr kumimoji="1" lang="zh-CN" altLang="en-US" smtClean="0"/>
-              <a:t>2017/2/15</a:t>
+              <a:t>2017/2/16</a:t>
             </a:fld>
             <a:endParaRPr kumimoji="1" lang="zh-CN" altLang="en-US"/>
           </a:p>
@@ -4184,7 +4184,7 @@
           <a:p>
             <a:fld id="{BCB2AC1A-FC22-084D-BD7E-D3EAA8C3D779}" type="datetimeFigureOut">
               <a:rPr kumimoji="1" lang="zh-CN" altLang="en-US" smtClean="0"/>
-              <a:t>2017/2/15</a:t>
+              <a:t>2017/2/16</a:t>
             </a:fld>
             <a:endParaRPr kumimoji="1" lang="zh-CN" altLang="en-US"/>
           </a:p>
@@ -4445,7 +4445,7 @@
           <a:p>
             <a:fld id="{BCB2AC1A-FC22-084D-BD7E-D3EAA8C3D779}" type="datetimeFigureOut">
               <a:rPr kumimoji="1" lang="zh-CN" altLang="en-US" smtClean="0"/>
-              <a:t>2017/2/15</a:t>
+              <a:t>2017/2/16</a:t>
             </a:fld>
             <a:endParaRPr kumimoji="1" lang="zh-CN" altLang="en-US"/>
           </a:p>
@@ -4666,7 +4666,7 @@
           <a:p>
             <a:fld id="{BCB2AC1A-FC22-084D-BD7E-D3EAA8C3D779}" type="datetimeFigureOut">
               <a:rPr kumimoji="1" lang="zh-CN" altLang="en-US" smtClean="0"/>
-              <a:t>2017/2/15</a:t>
+              <a:t>2017/2/16</a:t>
             </a:fld>
             <a:endParaRPr kumimoji="1" lang="zh-CN" altLang="en-US"/>
           </a:p>
@@ -5963,11 +5963,11 @@
   <p:clrMapOvr>
     <a:masterClrMapping/>
   </p:clrMapOvr>
-  <mc:AlternateContent xmlns:mc="http://schemas.openxmlformats.org/markup-compatibility/2006">
-    <mc:Choice xmlns:p14="http://schemas.microsoft.com/office/powerpoint/2010/main" Requires="p14">
+  <mc:AlternateContent xmlns:mc="http://schemas.openxmlformats.org/markup-compatibility/2006" xmlns:p14="http://schemas.microsoft.com/office/powerpoint/2010/main">
+    <mc:Choice Requires="p14">
       <p:transition p14:dur="0" advTm="40420"/>
     </mc:Choice>
-    <mc:Fallback>
+    <mc:Fallback xmlns="">
       <p:transition advTm="40420"/>
     </mc:Fallback>
   </mc:AlternateContent>
@@ -6648,16 +6648,7 @@
                 </a:solidFill>
                 <a:latin typeface="Raleway" panose="020B0003030101060003" pitchFamily="34" charset="0"/>
               </a:rPr>
-              <a:t> </a:t>
-            </a:r>
-            <a:r>
-              <a:rPr lang="it-IT" altLang="id-ID" sz="2800" b="1" dirty="0" smtClean="0">
-                <a:solidFill>
-                  <a:srgbClr val="FF6D6D"/>
-                </a:solidFill>
-                <a:latin typeface="Raleway" panose="020B0003030101060003" pitchFamily="34" charset="0"/>
-              </a:rPr>
-              <a:t>of registration</a:t>
+              <a:t> of registration</a:t>
             </a:r>
           </a:p>
         </p:txBody>
@@ -9042,7 +9033,7 @@
         </p:nvSpPr>
         <p:spPr>
           <a:xfrm>
-            <a:off x="637654" y="3738277"/>
+            <a:off x="637654" y="3038628"/>
             <a:ext cx="3369006" cy="2031325"/>
           </a:xfrm>
           <a:prstGeom prst="rect">
@@ -9057,23 +9048,13 @@
           <a:lstStyle/>
           <a:p>
             <a:r>
-              <a:rPr kumimoji="1" lang="en-US" altLang="zh-CN" smtClean="0">
-                <a:latin typeface="Kefa" charset="0"/>
-                <a:ea typeface="Kefa" charset="0"/>
-                <a:cs typeface="Kefa" charset="0"/>
-              </a:rPr>
-              <a:t>Guest </a:t>
-            </a:r>
-            <a:r>
               <a:rPr kumimoji="1" lang="en-US" altLang="zh-CN" dirty="0" smtClean="0">
                 <a:latin typeface="Kefa" charset="0"/>
                 <a:ea typeface="Kefa" charset="0"/>
                 <a:cs typeface="Kefa" charset="0"/>
               </a:rPr>
-              <a:t>Subsystem</a:t>
-            </a:r>
-          </a:p>
-          <a:p>
+              <a:t>Application</a:t>
+            </a:r>
             <a:endParaRPr kumimoji="1" lang="en-US" altLang="zh-CN" dirty="0" smtClean="0">
               <a:latin typeface="Kefa" charset="0"/>
               <a:ea typeface="Kefa" charset="0"/>
@@ -9081,16 +9062,21 @@
             </a:endParaRPr>
           </a:p>
           <a:p>
+            <a:endParaRPr kumimoji="1" lang="en-US" altLang="zh-CN" dirty="0" smtClean="0">
+              <a:latin typeface="Kefa" charset="0"/>
+              <a:ea typeface="Kefa" charset="0"/>
+              <a:cs typeface="Kefa" charset="0"/>
+            </a:endParaRPr>
+          </a:p>
+          <a:p>
             <a:r>
               <a:rPr kumimoji="1" lang="en-US" altLang="zh-CN" dirty="0" smtClean="0">
                 <a:latin typeface="Kefa" charset="0"/>
                 <a:ea typeface="Kefa" charset="0"/>
                 <a:cs typeface="Kefa" charset="0"/>
               </a:rPr>
-              <a:t>User Subsystem</a:t>
-            </a:r>
-          </a:p>
-          <a:p>
+              <a:t>Server</a:t>
+            </a:r>
             <a:endParaRPr kumimoji="1" lang="en-US" altLang="zh-CN" dirty="0" smtClean="0">
               <a:latin typeface="Kefa" charset="0"/>
               <a:ea typeface="Kefa" charset="0"/>
@@ -9098,14 +9084,26 @@
             </a:endParaRPr>
           </a:p>
           <a:p>
+            <a:endParaRPr kumimoji="1" lang="en-US" altLang="zh-CN" dirty="0" smtClean="0">
+              <a:latin typeface="Kefa" charset="0"/>
+              <a:ea typeface="Kefa" charset="0"/>
+              <a:cs typeface="Kefa" charset="0"/>
+            </a:endParaRPr>
+          </a:p>
+          <a:p>
             <a:r>
               <a:rPr kumimoji="1" lang="en-US" altLang="zh-CN" dirty="0" smtClean="0">
                 <a:latin typeface="Kefa" charset="0"/>
                 <a:ea typeface="Kefa" charset="0"/>
                 <a:cs typeface="Kefa" charset="0"/>
               </a:rPr>
-              <a:t>Car Subsystem</a:t>
-            </a:r>
+              <a:t>DBMS</a:t>
+            </a:r>
+            <a:endParaRPr kumimoji="1" lang="en-US" altLang="zh-CN" dirty="0" smtClean="0">
+              <a:latin typeface="Kefa" charset="0"/>
+              <a:ea typeface="Kefa" charset="0"/>
+              <a:cs typeface="Kefa" charset="0"/>
+            </a:endParaRPr>
           </a:p>
           <a:p>
             <a:endParaRPr kumimoji="1" lang="en-US" altLang="zh-CN" dirty="0">
@@ -12102,11 +12100,11 @@
   <p:clrMapOvr>
     <a:masterClrMapping/>
   </p:clrMapOvr>
-  <mc:AlternateContent xmlns:mc="http://schemas.openxmlformats.org/markup-compatibility/2006">
-    <mc:Choice xmlns:p14="http://schemas.microsoft.com/office/powerpoint/2010/main" Requires="p14">
+  <mc:AlternateContent xmlns:mc="http://schemas.openxmlformats.org/markup-compatibility/2006" xmlns:p14="http://schemas.microsoft.com/office/powerpoint/2010/main">
+    <mc:Choice Requires="p14">
       <p:transition p14:dur="0" advTm="10572"/>
     </mc:Choice>
-    <mc:Fallback>
+    <mc:Fallback xmlns="">
       <p:transition advTm="10572"/>
     </mc:Fallback>
   </mc:AlternateContent>
@@ -13471,11 +13469,11 @@
   <p:clrMapOvr>
     <a:masterClrMapping/>
   </p:clrMapOvr>
-  <mc:AlternateContent xmlns:mc="http://schemas.openxmlformats.org/markup-compatibility/2006">
-    <mc:Choice xmlns:p14="http://schemas.microsoft.com/office/powerpoint/2010/main" Requires="p14">
+  <mc:AlternateContent xmlns:mc="http://schemas.openxmlformats.org/markup-compatibility/2006" xmlns:p14="http://schemas.microsoft.com/office/powerpoint/2010/main">
+    <mc:Choice Requires="p14">
       <p:transition p14:dur="0" advTm="79641"/>
     </mc:Choice>
-    <mc:Fallback>
+    <mc:Fallback xmlns="">
       <p:transition advTm="79641"/>
     </mc:Fallback>
   </mc:AlternateContent>
@@ -13792,11 +13790,11 @@
   <p:clrMapOvr>
     <a:masterClrMapping/>
   </p:clrMapOvr>
-  <mc:AlternateContent xmlns:mc="http://schemas.openxmlformats.org/markup-compatibility/2006">
-    <mc:Choice xmlns:p14="http://schemas.microsoft.com/office/powerpoint/2010/main" Requires="p14">
+  <mc:AlternateContent xmlns:mc="http://schemas.openxmlformats.org/markup-compatibility/2006" xmlns:p14="http://schemas.microsoft.com/office/powerpoint/2010/main">
+    <mc:Choice Requires="p14">
       <p:transition p14:dur="0" advTm="43224"/>
     </mc:Choice>
-    <mc:Fallback>
+    <mc:Fallback xmlns="">
       <p:transition advTm="43224"/>
     </mc:Fallback>
   </mc:AlternateContent>
@@ -15850,11 +15848,11 @@
   <p:clrMapOvr>
     <a:masterClrMapping/>
   </p:clrMapOvr>
-  <mc:AlternateContent xmlns:mc="http://schemas.openxmlformats.org/markup-compatibility/2006">
-    <mc:Choice xmlns:p14="http://schemas.microsoft.com/office/powerpoint/2010/main" Requires="p14">
+  <mc:AlternateContent xmlns:mc="http://schemas.openxmlformats.org/markup-compatibility/2006" xmlns:p14="http://schemas.microsoft.com/office/powerpoint/2010/main">
+    <mc:Choice Requires="p14">
       <p:transition p14:dur="0" advTm="28734"/>
     </mc:Choice>
-    <mc:Fallback>
+    <mc:Fallback xmlns="">
       <p:transition advTm="28734"/>
     </mc:Fallback>
   </mc:AlternateContent>
@@ -16973,11 +16971,11 @@
   <p:clrMapOvr>
     <a:masterClrMapping/>
   </p:clrMapOvr>
-  <mc:AlternateContent xmlns:mc="http://schemas.openxmlformats.org/markup-compatibility/2006">
-    <mc:Choice xmlns:p14="http://schemas.microsoft.com/office/powerpoint/2010/main" Requires="p14">
+  <mc:AlternateContent xmlns:mc="http://schemas.openxmlformats.org/markup-compatibility/2006" xmlns:p14="http://schemas.microsoft.com/office/powerpoint/2010/main">
+    <mc:Choice Requires="p14">
       <p:transition p14:dur="0" advTm="82040"/>
     </mc:Choice>
-    <mc:Fallback>
+    <mc:Fallback xmlns="">
       <p:transition advTm="82040"/>
     </mc:Fallback>
   </mc:AlternateContent>
@@ -17073,11 +17071,11 @@
   <p:clrMapOvr>
     <a:masterClrMapping/>
   </p:clrMapOvr>
-  <mc:AlternateContent xmlns:mc="http://schemas.openxmlformats.org/markup-compatibility/2006">
-    <mc:Choice xmlns:p14="http://schemas.microsoft.com/office/powerpoint/2010/main" Requires="p14">
+  <mc:AlternateContent xmlns:mc="http://schemas.openxmlformats.org/markup-compatibility/2006" xmlns:p14="http://schemas.microsoft.com/office/powerpoint/2010/main">
+    <mc:Choice Requires="p14">
       <p:transition p14:dur="0" advTm="3556"/>
     </mc:Choice>
-    <mc:Fallback>
+    <mc:Fallback xmlns="">
       <p:transition advTm="3556"/>
     </mc:Fallback>
   </mc:AlternateContent>
@@ -19695,16 +19693,7 @@
                 </a:solidFill>
                 <a:latin typeface="Raleway" panose="020B0003030101060003" pitchFamily="34" charset="0"/>
               </a:rPr>
-              <a:t>DB </a:t>
-            </a:r>
-            <a:r>
-              <a:rPr lang="it-IT" altLang="id-ID" sz="2000" b="1" smtClean="0">
-                <a:solidFill>
-                  <a:srgbClr val="FF6D6D"/>
-                </a:solidFill>
-                <a:latin typeface="Raleway" panose="020B0003030101060003" pitchFamily="34" charset="0"/>
-              </a:rPr>
-              <a:t>Manager</a:t>
+              <a:t>DB Manager</a:t>
             </a:r>
             <a:endParaRPr lang="it-IT" altLang="id-ID" sz="2000" b="1" dirty="0">
               <a:solidFill>
